--- a/Organisation/Präsentation.pptx
+++ b/Organisation/Präsentation.pptx
@@ -407,7 +407,7 @@
             <a:fld id="{1BA50D42-C9CD-4801-B293-61D1F53EC57E}" type="datetimeFigureOut">
               <a:rPr lang="de-DE" smtClean="0"/>
               <a:pPr/>
-              <a:t>28.04.2015</a:t>
+              <a:t>18.05.2015</a:t>
             </a:fld>
             <a:endParaRPr lang="de-DE"/>
           </a:p>
@@ -600,7 +600,7 @@
             <a:fld id="{1BA50D42-C9CD-4801-B293-61D1F53EC57E}" type="datetimeFigureOut">
               <a:rPr lang="de-DE" smtClean="0"/>
               <a:pPr/>
-              <a:t>28.04.2015</a:t>
+              <a:t>18.05.2015</a:t>
             </a:fld>
             <a:endParaRPr lang="de-DE"/>
           </a:p>
@@ -787,7 +787,7 @@
             <a:fld id="{1BA50D42-C9CD-4801-B293-61D1F53EC57E}" type="datetimeFigureOut">
               <a:rPr lang="de-DE" smtClean="0"/>
               <a:pPr/>
-              <a:t>28.04.2015</a:t>
+              <a:t>18.05.2015</a:t>
             </a:fld>
             <a:endParaRPr lang="de-DE"/>
           </a:p>
@@ -1052,7 +1052,7 @@
             <a:fld id="{1BA50D42-C9CD-4801-B293-61D1F53EC57E}" type="datetimeFigureOut">
               <a:rPr lang="de-DE" smtClean="0"/>
               <a:pPr/>
-              <a:t>28.04.2015</a:t>
+              <a:t>18.05.2015</a:t>
             </a:fld>
             <a:endParaRPr lang="de-DE"/>
           </a:p>
@@ -1470,7 +1470,7 @@
             <a:fld id="{1BA50D42-C9CD-4801-B293-61D1F53EC57E}" type="datetimeFigureOut">
               <a:rPr lang="de-DE" smtClean="0"/>
               <a:pPr/>
-              <a:t>28.04.2015</a:t>
+              <a:t>18.05.2015</a:t>
             </a:fld>
             <a:endParaRPr lang="de-DE"/>
           </a:p>
@@ -1714,7 +1714,7 @@
             <a:fld id="{1BA50D42-C9CD-4801-B293-61D1F53EC57E}" type="datetimeFigureOut">
               <a:rPr lang="de-DE" smtClean="0"/>
               <a:pPr/>
-              <a:t>28.04.2015</a:t>
+              <a:t>18.05.2015</a:t>
             </a:fld>
             <a:endParaRPr lang="de-DE"/>
           </a:p>
@@ -1952,7 +1952,7 @@
             <a:fld id="{1BA50D42-C9CD-4801-B293-61D1F53EC57E}" type="datetimeFigureOut">
               <a:rPr lang="de-DE" smtClean="0"/>
               <a:pPr/>
-              <a:t>28.04.2015</a:t>
+              <a:t>18.05.2015</a:t>
             </a:fld>
             <a:endParaRPr lang="de-DE"/>
           </a:p>
@@ -2149,7 +2149,7 @@
             <a:fld id="{1BA50D42-C9CD-4801-B293-61D1F53EC57E}" type="datetimeFigureOut">
               <a:rPr lang="de-DE" smtClean="0"/>
               <a:pPr/>
-              <a:t>28.04.2015</a:t>
+              <a:t>18.05.2015</a:t>
             </a:fld>
             <a:endParaRPr lang="de-DE"/>
           </a:p>
@@ -2249,7 +2249,7 @@
             <a:fld id="{1BA50D42-C9CD-4801-B293-61D1F53EC57E}" type="datetimeFigureOut">
               <a:rPr lang="de-DE" smtClean="0"/>
               <a:pPr/>
-              <a:t>28.04.2015</a:t>
+              <a:t>18.05.2015</a:t>
             </a:fld>
             <a:endParaRPr lang="de-DE"/>
           </a:p>
@@ -2387,7 +2387,7 @@
             <a:fld id="{1BA50D42-C9CD-4801-B293-61D1F53EC57E}" type="datetimeFigureOut">
               <a:rPr lang="de-DE" smtClean="0"/>
               <a:pPr/>
-              <a:t>28.04.2015</a:t>
+              <a:t>18.05.2015</a:t>
             </a:fld>
             <a:endParaRPr lang="de-DE"/>
           </a:p>
@@ -2907,7 +2907,7 @@
             <a:fld id="{1BA50D42-C9CD-4801-B293-61D1F53EC57E}" type="datetimeFigureOut">
               <a:rPr lang="de-DE" smtClean="0"/>
               <a:pPr/>
-              <a:t>28.04.2015</a:t>
+              <a:t>18.05.2015</a:t>
             </a:fld>
             <a:endParaRPr lang="de-DE"/>
           </a:p>
@@ -3170,7 +3170,7 @@
             <a:fld id="{1BA50D42-C9CD-4801-B293-61D1F53EC57E}" type="datetimeFigureOut">
               <a:rPr lang="de-DE" smtClean="0"/>
               <a:pPr/>
-              <a:t>28.04.2015</a:t>
+              <a:t>18.05.2015</a:t>
             </a:fld>
             <a:endParaRPr lang="de-DE"/>
           </a:p>
@@ -3833,7 +3833,6 @@
               <a:rPr lang="de-DE" dirty="0" smtClean="0"/>
               <a:t>Sicherheit</a:t>
             </a:r>
-            <a:endParaRPr lang="de-DE" dirty="0" smtClean="0"/>
           </a:p>
           <a:p>
             <a:r>
@@ -4127,6 +4126,10 @@
             <a:r>
               <a:rPr lang="de-DE" dirty="0" err="1" smtClean="0"/>
               <a:t>Hijacking</a:t>
+            </a:r>
+            <a:r>
+              <a:rPr lang="de-DE" dirty="0" smtClean="0"/>
+              <a:t> &amp; Session Fixation</a:t>
             </a:r>
             <a:endParaRPr lang="de-DE" dirty="0" smtClean="0"/>
           </a:p>
